--- a/MLE&MAP.pptx
+++ b/MLE&MAP.pptx
@@ -5,7 +5,7 @@
     <p:sldMasterId id="2147483648" r:id="rId1"/>
   </p:sldMasterIdLst>
   <p:notesMasterIdLst>
-    <p:notesMasterId r:id="rId21"/>
+    <p:notesMasterId r:id="rId22"/>
   </p:notesMasterIdLst>
   <p:sldIdLst>
     <p:sldId id="367" r:id="rId2"/>
@@ -26,7 +26,8 @@
     <p:sldId id="409" r:id="rId17"/>
     <p:sldId id="399" r:id="rId18"/>
     <p:sldId id="410" r:id="rId19"/>
-    <p:sldId id="411" r:id="rId20"/>
+    <p:sldId id="416" r:id="rId20"/>
+    <p:sldId id="411" r:id="rId21"/>
   </p:sldIdLst>
   <p:sldSz cx="12192000" cy="6858000"/>
   <p:notesSz cx="12192000" cy="6858000"/>
@@ -238,7 +239,7 @@
           <a:p>
             <a:fld id="{8C6914EE-A9AA-4302-97E1-B6157869733E}" type="datetimeFigureOut">
               <a:rPr lang="zh-CN" altLang="en-US" smtClean="0"/>
-              <a:t>2019/7/13</a:t>
+              <a:t>2019/7/14</a:t>
             </a:fld>
             <a:endParaRPr lang="zh-CN" altLang="en-US"/>
           </a:p>
@@ -650,7 +651,7 @@
           <a:p>
             <a:fld id="{B3D5A116-B0C7-493B-98BD-27F248A45D56}" type="datetime1">
               <a:rPr lang="en-US" altLang="zh-CN" smtClean="0"/>
-              <a:t>7/13/2019</a:t>
+              <a:t>7/14/2019</a:t>
             </a:fld>
             <a:endParaRPr lang="en-US"/>
           </a:p>
@@ -836,7 +837,7 @@
           <a:p>
             <a:fld id="{E7869A1B-81CF-4DB1-8333-8D28F4B520DB}" type="datetime1">
               <a:rPr lang="en-US" altLang="zh-CN" smtClean="0"/>
-              <a:t>7/13/2019</a:t>
+              <a:t>7/14/2019</a:t>
             </a:fld>
             <a:endParaRPr lang="en-US"/>
           </a:p>
@@ -1059,7 +1060,7 @@
           <a:p>
             <a:fld id="{DE19D3F2-5524-4444-9EBF-42C39CE2C898}" type="datetime1">
               <a:rPr lang="en-US" altLang="zh-CN" smtClean="0"/>
-              <a:t>7/13/2019</a:t>
+              <a:t>7/14/2019</a:t>
             </a:fld>
             <a:endParaRPr lang="en-US"/>
           </a:p>
@@ -1216,7 +1217,7 @@
           <a:p>
             <a:fld id="{538A8208-C9C8-4AF9-B97D-AF53A9234656}" type="datetime1">
               <a:rPr lang="en-US" altLang="zh-CN" smtClean="0"/>
-              <a:t>7/13/2019</a:t>
+              <a:t>7/14/2019</a:t>
             </a:fld>
             <a:endParaRPr lang="en-US"/>
           </a:p>
@@ -1381,7 +1382,7 @@
           <a:p>
             <a:fld id="{3571A46B-1D0A-4DA3-BACC-055886E2AE98}" type="datetime1">
               <a:rPr lang="en-US" altLang="zh-CN" smtClean="0"/>
-              <a:t>7/13/2019</a:t>
+              <a:t>7/14/2019</a:t>
             </a:fld>
             <a:endParaRPr lang="en-US"/>
           </a:p>
@@ -1644,7 +1645,7 @@
           <a:p>
             <a:fld id="{B23A6F73-7BC4-4B9D-A733-E0427C4CA195}" type="datetime1">
               <a:rPr lang="en-US" altLang="zh-CN" smtClean="0"/>
-              <a:t>7/13/2019</a:t>
+              <a:t>7/14/2019</a:t>
             </a:fld>
             <a:endParaRPr lang="en-US"/>
           </a:p>
@@ -4208,10 +4209,10 @@
       </p:sp>
       <p:sp>
         <p:nvSpPr>
-          <p:cNvPr id="8" name="矩形 7">
-            <a:extLst>
-              <a:ext uri="{FF2B5EF4-FFF2-40B4-BE49-F238E27FC236}">
-                <a16:creationId xmlns:a16="http://schemas.microsoft.com/office/drawing/2014/main" id="{68640ED4-4203-4F06-AEF3-062021A8290D}"/>
+          <p:cNvPr id="5" name="矩形 4">
+            <a:extLst>
+              <a:ext uri="{FF2B5EF4-FFF2-40B4-BE49-F238E27FC236}">
+                <a16:creationId xmlns:a16="http://schemas.microsoft.com/office/drawing/2014/main" id="{2614B60B-4D70-46D3-9017-D0ADD9CCD00A}"/>
               </a:ext>
             </a:extLst>
           </p:cNvPr>
@@ -4220,8 +4221,8 @@
         </p:nvSpPr>
         <p:spPr>
           <a:xfrm>
-            <a:off x="222236" y="1100642"/>
-            <a:ext cx="11201400" cy="1261884"/>
+            <a:off x="187569" y="880801"/>
+            <a:ext cx="11125200" cy="707886"/>
           </a:xfrm>
           <a:prstGeom prst="rect">
             <a:avLst/>
@@ -4234,48 +4235,31 @@
           <a:lstStyle/>
           <a:p>
             <a:r>
-              <a:rPr lang="en-US" altLang="zh-CN" sz="2000" dirty="0">
-                <a:solidFill>
-                  <a:srgbClr val="FF0000"/>
-                </a:solidFill>
-              </a:rPr>
-              <a:t>If we prefer a MAP estimate for an n-valued random variable governed by a Categorical distribution, we use the conjugate prior for the Categorical distribution, which is called the Dirichlet distribution. </a:t>
-            </a:r>
-          </a:p>
-          <a:p>
-            <a:endParaRPr lang="en-US" altLang="zh-CN" dirty="0">
-              <a:solidFill>
-                <a:srgbClr val="FF0000"/>
-              </a:solidFill>
-            </a:endParaRPr>
-          </a:p>
-          <a:p>
-            <a:r>
-              <a:rPr lang="en-US" altLang="zh-CN" dirty="0"/>
-              <a:t>The </a:t>
-            </a:r>
-            <a:r>
-              <a:rPr lang="en-US" altLang="zh-CN" dirty="0">
-                <a:solidFill>
-                  <a:srgbClr val="FF0000"/>
-                </a:solidFill>
-              </a:rPr>
-              <a:t>Dirichlet distribution </a:t>
-            </a:r>
-            <a:r>
-              <a:rPr lang="en-US" altLang="zh-CN" dirty="0"/>
-              <a:t>is a generalization of the Beta distribution, and has the form:</a:t>
-            </a:r>
-            <a:endParaRPr lang="zh-CN" altLang="en-US" dirty="0"/>
+              <a:rPr lang="en-US" altLang="zh-CN" sz="2000" dirty="0"/>
+              <a:t>Given a sample of data drawn from a particular Categorical distribution for a random variable that can take on n possible values, the maximum likelihood estimate for </a:t>
+            </a:r>
+            <a:r>
+              <a:rPr lang="en-US" altLang="zh-CN" sz="2000" dirty="0" err="1"/>
+              <a:t>θ</a:t>
+            </a:r>
+            <a:r>
+              <a:rPr lang="en-US" altLang="zh-CN" sz="2000" baseline="-25000" dirty="0" err="1"/>
+              <a:t>i</a:t>
+            </a:r>
+            <a:r>
+              <a:rPr lang="en-US" altLang="zh-CN" sz="2000" dirty="0"/>
+              <a:t> is given by</a:t>
+            </a:r>
+            <a:endParaRPr lang="zh-CN" altLang="en-US" sz="2000" dirty="0"/>
           </a:p>
         </p:txBody>
       </p:sp>
       <p:pic>
         <p:nvPicPr>
-          <p:cNvPr id="9" name="图片 8">
-            <a:extLst>
-              <a:ext uri="{FF2B5EF4-FFF2-40B4-BE49-F238E27FC236}">
-                <a16:creationId xmlns:a16="http://schemas.microsoft.com/office/drawing/2014/main" id="{FB039700-FB08-428E-91DA-04329E1A7F33}"/>
+          <p:cNvPr id="6" name="图片 5">
+            <a:extLst>
+              <a:ext uri="{FF2B5EF4-FFF2-40B4-BE49-F238E27FC236}">
+                <a16:creationId xmlns:a16="http://schemas.microsoft.com/office/drawing/2014/main" id="{2044A488-374B-49A0-8ED9-A96B3E5705FE}"/>
               </a:ext>
             </a:extLst>
           </p:cNvPr>
@@ -4292,78 +4276,20 @@
         </p:blipFill>
         <p:spPr>
           <a:xfrm>
-            <a:off x="4154596" y="2584191"/>
-            <a:ext cx="3400425" cy="933450"/>
+            <a:off x="473434" y="1828800"/>
+            <a:ext cx="2466975" cy="590550"/>
           </a:xfrm>
           <a:prstGeom prst="rect">
             <a:avLst/>
           </a:prstGeom>
         </p:spPr>
       </p:pic>
-      <p:sp>
-        <p:nvSpPr>
-          <p:cNvPr id="4" name="矩形 3">
-            <a:extLst>
-              <a:ext uri="{FF2B5EF4-FFF2-40B4-BE49-F238E27FC236}">
-                <a16:creationId xmlns:a16="http://schemas.microsoft.com/office/drawing/2014/main" id="{1C4C35FA-84D2-4652-8439-7402F3ECEF7E}"/>
-              </a:ext>
-            </a:extLst>
-          </p:cNvPr>
-          <p:cNvSpPr/>
-          <p:nvPr/>
-        </p:nvSpPr>
-        <p:spPr>
-          <a:xfrm>
-            <a:off x="222236" y="3477696"/>
-            <a:ext cx="7391400" cy="646331"/>
-          </a:xfrm>
-          <a:prstGeom prst="rect">
-            <a:avLst/>
-          </a:prstGeom>
-        </p:spPr>
-        <p:txBody>
-          <a:bodyPr wrap="square">
-            <a:spAutoFit/>
-          </a:bodyPr>
-          <a:lstStyle/>
-          <a:p>
-            <a:endParaRPr lang="en-US" altLang="zh-CN" dirty="0"/>
-          </a:p>
-          <a:p>
-            <a:r>
-              <a:rPr lang="en-US" altLang="zh-CN" dirty="0">
-                <a:solidFill>
-                  <a:srgbClr val="FF0000"/>
-                </a:solidFill>
-              </a:rPr>
-              <a:t>The MAP estimate </a:t>
-            </a:r>
-            <a:r>
-              <a:rPr lang="en-US" altLang="zh-CN" dirty="0"/>
-              <a:t>for each </a:t>
-            </a:r>
-            <a:r>
-              <a:rPr lang="en-US" altLang="zh-CN" dirty="0" err="1"/>
-              <a:t>θ</a:t>
-            </a:r>
-            <a:r>
-              <a:rPr lang="en-US" altLang="zh-CN" baseline="-25000" dirty="0" err="1"/>
-              <a:t>i</a:t>
-            </a:r>
-            <a:r>
-              <a:rPr lang="en-US" altLang="zh-CN" dirty="0"/>
-              <a:t> for a Categorial distribution is given by</a:t>
-            </a:r>
-            <a:endParaRPr lang="zh-CN" altLang="en-US" dirty="0"/>
-          </a:p>
-        </p:txBody>
-      </p:sp>
       <p:pic>
         <p:nvPicPr>
-          <p:cNvPr id="10" name="图片 9">
-            <a:extLst>
-              <a:ext uri="{FF2B5EF4-FFF2-40B4-BE49-F238E27FC236}">
-                <a16:creationId xmlns:a16="http://schemas.microsoft.com/office/drawing/2014/main" id="{32B8F8F8-73D8-43D9-A048-E9612A67E95A}"/>
+          <p:cNvPr id="8" name="图片 7">
+            <a:extLst>
+              <a:ext uri="{FF2B5EF4-FFF2-40B4-BE49-F238E27FC236}">
+                <a16:creationId xmlns:a16="http://schemas.microsoft.com/office/drawing/2014/main" id="{07CA899C-CA2E-4042-BC17-AC68A256880D}"/>
               </a:ext>
             </a:extLst>
           </p:cNvPr>
@@ -4373,25 +4299,66 @@
           <p:nvPr/>
         </p:nvPicPr>
         <p:blipFill>
-          <a:blip r:embed="rId3"/>
+          <a:blip r:embed="rId3" cstate="print">
+            <a:extLst>
+              <a:ext uri="{28A0092B-C50C-407E-A947-70E740481C1C}">
+                <a14:useLocalDpi xmlns:a14="http://schemas.microsoft.com/office/drawing/2010/main" val="0"/>
+              </a:ext>
+            </a:extLst>
+          </a:blip>
           <a:stretch>
             <a:fillRect/>
           </a:stretch>
         </p:blipFill>
         <p:spPr>
           <a:xfrm>
-            <a:off x="3784586" y="4550807"/>
-            <a:ext cx="3829050" cy="695325"/>
+            <a:off x="8248652" y="1615064"/>
+            <a:ext cx="3166892" cy="5105400"/>
           </a:xfrm>
           <a:prstGeom prst="rect">
             <a:avLst/>
           </a:prstGeom>
         </p:spPr>
       </p:pic>
+      <p:sp>
+        <p:nvSpPr>
+          <p:cNvPr id="10" name="文本框 9">
+            <a:extLst>
+              <a:ext uri="{FF2B5EF4-FFF2-40B4-BE49-F238E27FC236}">
+                <a16:creationId xmlns:a16="http://schemas.microsoft.com/office/drawing/2014/main" id="{176BEA91-7E22-406F-9C61-D2B91E9DB17C}"/>
+              </a:ext>
+            </a:extLst>
+          </p:cNvPr>
+          <p:cNvSpPr txBox="1"/>
+          <p:nvPr/>
+        </p:nvSpPr>
+        <p:spPr>
+          <a:xfrm>
+            <a:off x="7315200" y="1754743"/>
+            <a:ext cx="685800" cy="369332"/>
+          </a:xfrm>
+          <a:prstGeom prst="rect">
+            <a:avLst/>
+          </a:prstGeom>
+          <a:noFill/>
+        </p:spPr>
+        <p:txBody>
+          <a:bodyPr wrap="square" rtlCol="0">
+            <a:spAutoFit/>
+          </a:bodyPr>
+          <a:lstStyle/>
+          <a:p>
+            <a:r>
+              <a:rPr lang="zh-CN" altLang="en-US" dirty="0"/>
+              <a:t>证明：</a:t>
+            </a:r>
+          </a:p>
+        </p:txBody>
+      </p:sp>
     </p:spTree>
     <p:extLst>
       <p:ext uri="{BB962C8B-B14F-4D97-AF65-F5344CB8AC3E}">
-        <p14:creationId xmlns:p14="http://schemas.microsoft.com/office/powerpoint/2010/main" val="4019141818"/>
+        <p14:creationId xmlns:p14="http://schemas.microsoft.com/office/powerpoint/2010/main" val="1431115777"/>
       </p:ext>
     </p:extLst>
   </p:cSld>
@@ -4748,6 +4715,307 @@
     <p:extLst>
       <p:ext uri="{BB962C8B-B14F-4D97-AF65-F5344CB8AC3E}">
         <p14:creationId xmlns:p14="http://schemas.microsoft.com/office/powerpoint/2010/main" val="4186089455"/>
+      </p:ext>
+    </p:extLst>
+  </p:cSld>
+  <p:clrMapOvr>
+    <a:masterClrMapping/>
+  </p:clrMapOvr>
+</p:sld>
+</file>
+
+<file path=ppt/slides/slide20.xml><?xml version="1.0" encoding="utf-8"?>
+<p:sld xmlns:a="http://schemas.openxmlformats.org/drawingml/2006/main" xmlns:r="http://schemas.openxmlformats.org/officeDocument/2006/relationships" xmlns:p="http://schemas.openxmlformats.org/presentationml/2006/main">
+  <p:cSld>
+    <p:spTree>
+      <p:nvGrpSpPr>
+        <p:cNvPr id="1" name=""/>
+        <p:cNvGrpSpPr/>
+        <p:nvPr/>
+      </p:nvGrpSpPr>
+      <p:grpSpPr>
+        <a:xfrm>
+          <a:off x="0" y="0"/>
+          <a:ext cx="0" cy="0"/>
+          <a:chOff x="0" y="0"/>
+          <a:chExt cx="0" cy="0"/>
+        </a:xfrm>
+      </p:grpSpPr>
+      <p:sp>
+        <p:nvSpPr>
+          <p:cNvPr id="3" name="灯片编号占位符 2">
+            <a:extLst>
+              <a:ext uri="{FF2B5EF4-FFF2-40B4-BE49-F238E27FC236}">
+                <a16:creationId xmlns:a16="http://schemas.microsoft.com/office/drawing/2014/main" id="{5DB7DAF3-4CA8-46EB-BE62-83CCC5F45DF7}"/>
+              </a:ext>
+            </a:extLst>
+          </p:cNvPr>
+          <p:cNvSpPr>
+            <a:spLocks noGrp="1"/>
+          </p:cNvSpPr>
+          <p:nvPr>
+            <p:ph type="sldNum" sz="quarter" idx="7"/>
+          </p:nvPr>
+        </p:nvSpPr>
+        <p:spPr>
+          <a:xfrm>
+            <a:off x="11506200" y="6419850"/>
+            <a:ext cx="358140" cy="266700"/>
+          </a:xfrm>
+        </p:spPr>
+        <p:txBody>
+          <a:bodyPr/>
+          <a:lstStyle/>
+          <a:p>
+            <a:pPr marL="133985">
+              <a:lnSpc>
+                <a:spcPct val="100000"/>
+              </a:lnSpc>
+              <a:spcBef>
+                <a:spcPts val="275"/>
+              </a:spcBef>
+            </a:pPr>
+            <a:fld id="{81D60167-4931-47E6-BA6A-407CBD079E47}" type="slidenum">
+              <a:rPr lang="en-US" altLang="zh-CN" smtClean="0"/>
+              <a:t>20</a:t>
+            </a:fld>
+            <a:endParaRPr lang="en-US" altLang="zh-CN" dirty="0"/>
+          </a:p>
+        </p:txBody>
+      </p:sp>
+      <p:sp>
+        <p:nvSpPr>
+          <p:cNvPr id="2" name="矩形 1">
+            <a:extLst>
+              <a:ext uri="{FF2B5EF4-FFF2-40B4-BE49-F238E27FC236}">
+                <a16:creationId xmlns:a16="http://schemas.microsoft.com/office/drawing/2014/main" id="{86FFEFE3-9909-46B5-8EC7-B13520B87F51}"/>
+              </a:ext>
+            </a:extLst>
+          </p:cNvPr>
+          <p:cNvSpPr/>
+          <p:nvPr/>
+        </p:nvSpPr>
+        <p:spPr>
+          <a:xfrm>
+            <a:off x="152400" y="152400"/>
+            <a:ext cx="5546711" cy="707886"/>
+          </a:xfrm>
+          <a:prstGeom prst="rect">
+            <a:avLst/>
+          </a:prstGeom>
+        </p:spPr>
+        <p:txBody>
+          <a:bodyPr wrap="none">
+            <a:spAutoFit/>
+          </a:bodyPr>
+          <a:lstStyle/>
+          <a:p>
+            <a:r>
+              <a:rPr lang="en-US" altLang="zh-CN" sz="4000" dirty="0">
+                <a:solidFill>
+                  <a:schemeClr val="bg1"/>
+                </a:solidFill>
+                <a:latin typeface="Arial" panose="020B0604020202020204" pitchFamily="34" charset="0"/>
+                <a:cs typeface="Arial" panose="020B0604020202020204" pitchFamily="34" charset="0"/>
+              </a:rPr>
+              <a:t>Categorical distribution </a:t>
+            </a:r>
+            <a:endParaRPr lang="zh-CN" altLang="en-US" sz="4000" dirty="0">
+              <a:solidFill>
+                <a:schemeClr val="bg1"/>
+              </a:solidFill>
+              <a:latin typeface="Arial" panose="020B0604020202020204" pitchFamily="34" charset="0"/>
+              <a:cs typeface="Arial" panose="020B0604020202020204" pitchFamily="34" charset="0"/>
+            </a:endParaRPr>
+          </a:p>
+        </p:txBody>
+      </p:sp>
+      <p:sp>
+        <p:nvSpPr>
+          <p:cNvPr id="8" name="矩形 7">
+            <a:extLst>
+              <a:ext uri="{FF2B5EF4-FFF2-40B4-BE49-F238E27FC236}">
+                <a16:creationId xmlns:a16="http://schemas.microsoft.com/office/drawing/2014/main" id="{68640ED4-4203-4F06-AEF3-062021A8290D}"/>
+              </a:ext>
+            </a:extLst>
+          </p:cNvPr>
+          <p:cNvSpPr/>
+          <p:nvPr/>
+        </p:nvSpPr>
+        <p:spPr>
+          <a:xfrm>
+            <a:off x="222236" y="1100642"/>
+            <a:ext cx="11201400" cy="1261884"/>
+          </a:xfrm>
+          <a:prstGeom prst="rect">
+            <a:avLst/>
+          </a:prstGeom>
+        </p:spPr>
+        <p:txBody>
+          <a:bodyPr wrap="square">
+            <a:spAutoFit/>
+          </a:bodyPr>
+          <a:lstStyle/>
+          <a:p>
+            <a:r>
+              <a:rPr lang="en-US" altLang="zh-CN" sz="2000" dirty="0">
+                <a:solidFill>
+                  <a:srgbClr val="FF0000"/>
+                </a:solidFill>
+              </a:rPr>
+              <a:t>If we prefer a MAP estimate for an n-valued random variable governed by a Categorical distribution, we use the conjugate prior for the Categorical distribution, which is called the Dirichlet distribution. </a:t>
+            </a:r>
+          </a:p>
+          <a:p>
+            <a:endParaRPr lang="en-US" altLang="zh-CN" dirty="0">
+              <a:solidFill>
+                <a:srgbClr val="FF0000"/>
+              </a:solidFill>
+            </a:endParaRPr>
+          </a:p>
+          <a:p>
+            <a:r>
+              <a:rPr lang="en-US" altLang="zh-CN" dirty="0"/>
+              <a:t>The </a:t>
+            </a:r>
+            <a:r>
+              <a:rPr lang="en-US" altLang="zh-CN" dirty="0">
+                <a:solidFill>
+                  <a:srgbClr val="FF0000"/>
+                </a:solidFill>
+              </a:rPr>
+              <a:t>Dirichlet distribution </a:t>
+            </a:r>
+            <a:r>
+              <a:rPr lang="en-US" altLang="zh-CN" dirty="0"/>
+              <a:t>is a generalization of the Beta distribution, and has the form:</a:t>
+            </a:r>
+            <a:endParaRPr lang="zh-CN" altLang="en-US" dirty="0"/>
+          </a:p>
+        </p:txBody>
+      </p:sp>
+      <p:pic>
+        <p:nvPicPr>
+          <p:cNvPr id="9" name="图片 8">
+            <a:extLst>
+              <a:ext uri="{FF2B5EF4-FFF2-40B4-BE49-F238E27FC236}">
+                <a16:creationId xmlns:a16="http://schemas.microsoft.com/office/drawing/2014/main" id="{FB039700-FB08-428E-91DA-04329E1A7F33}"/>
+              </a:ext>
+            </a:extLst>
+          </p:cNvPr>
+          <p:cNvPicPr>
+            <a:picLocks noChangeAspect="1"/>
+          </p:cNvPicPr>
+          <p:nvPr/>
+        </p:nvPicPr>
+        <p:blipFill>
+          <a:blip r:embed="rId2"/>
+          <a:stretch>
+            <a:fillRect/>
+          </a:stretch>
+        </p:blipFill>
+        <p:spPr>
+          <a:xfrm>
+            <a:off x="4154596" y="2584191"/>
+            <a:ext cx="3400425" cy="933450"/>
+          </a:xfrm>
+          <a:prstGeom prst="rect">
+            <a:avLst/>
+          </a:prstGeom>
+        </p:spPr>
+      </p:pic>
+      <p:sp>
+        <p:nvSpPr>
+          <p:cNvPr id="4" name="矩形 3">
+            <a:extLst>
+              <a:ext uri="{FF2B5EF4-FFF2-40B4-BE49-F238E27FC236}">
+                <a16:creationId xmlns:a16="http://schemas.microsoft.com/office/drawing/2014/main" id="{1C4C35FA-84D2-4652-8439-7402F3ECEF7E}"/>
+              </a:ext>
+            </a:extLst>
+          </p:cNvPr>
+          <p:cNvSpPr/>
+          <p:nvPr/>
+        </p:nvSpPr>
+        <p:spPr>
+          <a:xfrm>
+            <a:off x="222236" y="3477696"/>
+            <a:ext cx="7391400" cy="646331"/>
+          </a:xfrm>
+          <a:prstGeom prst="rect">
+            <a:avLst/>
+          </a:prstGeom>
+        </p:spPr>
+        <p:txBody>
+          <a:bodyPr wrap="square">
+            <a:spAutoFit/>
+          </a:bodyPr>
+          <a:lstStyle/>
+          <a:p>
+            <a:endParaRPr lang="en-US" altLang="zh-CN" dirty="0"/>
+          </a:p>
+          <a:p>
+            <a:r>
+              <a:rPr lang="en-US" altLang="zh-CN" dirty="0">
+                <a:solidFill>
+                  <a:srgbClr val="FF0000"/>
+                </a:solidFill>
+              </a:rPr>
+              <a:t>The MAP estimate </a:t>
+            </a:r>
+            <a:r>
+              <a:rPr lang="en-US" altLang="zh-CN" dirty="0"/>
+              <a:t>for each </a:t>
+            </a:r>
+            <a:r>
+              <a:rPr lang="en-US" altLang="zh-CN" dirty="0" err="1"/>
+              <a:t>θ</a:t>
+            </a:r>
+            <a:r>
+              <a:rPr lang="en-US" altLang="zh-CN" baseline="-25000" dirty="0" err="1"/>
+              <a:t>i</a:t>
+            </a:r>
+            <a:r>
+              <a:rPr lang="en-US" altLang="zh-CN" dirty="0"/>
+              <a:t> for a Categorial distribution is given by</a:t>
+            </a:r>
+            <a:endParaRPr lang="zh-CN" altLang="en-US" dirty="0"/>
+          </a:p>
+        </p:txBody>
+      </p:sp>
+      <p:pic>
+        <p:nvPicPr>
+          <p:cNvPr id="10" name="图片 9">
+            <a:extLst>
+              <a:ext uri="{FF2B5EF4-FFF2-40B4-BE49-F238E27FC236}">
+                <a16:creationId xmlns:a16="http://schemas.microsoft.com/office/drawing/2014/main" id="{32B8F8F8-73D8-43D9-A048-E9612A67E95A}"/>
+              </a:ext>
+            </a:extLst>
+          </p:cNvPr>
+          <p:cNvPicPr>
+            <a:picLocks noChangeAspect="1"/>
+          </p:cNvPicPr>
+          <p:nvPr/>
+        </p:nvPicPr>
+        <p:blipFill>
+          <a:blip r:embed="rId3"/>
+          <a:stretch>
+            <a:fillRect/>
+          </a:stretch>
+        </p:blipFill>
+        <p:spPr>
+          <a:xfrm>
+            <a:off x="3784586" y="4550807"/>
+            <a:ext cx="3829050" cy="695325"/>
+          </a:xfrm>
+          <a:prstGeom prst="rect">
+            <a:avLst/>
+          </a:prstGeom>
+        </p:spPr>
+      </p:pic>
+    </p:spTree>
+    <p:extLst>
+      <p:ext uri="{BB962C8B-B14F-4D97-AF65-F5344CB8AC3E}">
+        <p14:creationId xmlns:p14="http://schemas.microsoft.com/office/powerpoint/2010/main" val="4019141818"/>
       </p:ext>
     </p:extLst>
   </p:cSld>
